--- a/doc/storage.pptx
+++ b/doc/storage.pptx
@@ -5977,55 +5977,435 @@
       <p:grpSpPr/>
       <p:sp>
         <p:nvSpPr>
-          <p:cNvPr id="2" name="标题 1"/>
-          <p:cNvSpPr>
-            <a:spLocks noGrp="1"/>
-          </p:cNvSpPr>
-          <p:nvPr>
-            <p:ph type="title"/>
-          </p:nvPr>
+          <p:cNvPr id="6" name="矩形 5"/>
+          <p:cNvSpPr/>
+          <p:nvPr/>
         </p:nvSpPr>
         <p:spPr>
           <a:xfrm>
-            <a:off x="647700" y="258445"/>
-            <a:ext cx="10515600" cy="565785"/>
-          </a:xfrm>
-        </p:spPr>
-        <p:txBody>
-          <a:bodyPr>
-            <a:normAutofit fontScale="90000"/>
+            <a:off x="7602855" y="354330"/>
+            <a:ext cx="4340225" cy="5440045"/>
+          </a:xfrm>
+          <a:prstGeom prst="rect">
+            <a:avLst/>
+          </a:prstGeom>
+        </p:spPr>
+        <p:style>
+          <a:lnRef idx="2">
+            <a:schemeClr val="accent1">
+              <a:shade val="50000"/>
+            </a:schemeClr>
+          </a:lnRef>
+          <a:fillRef idx="1">
+            <a:schemeClr val="accent1"/>
+          </a:fillRef>
+          <a:effectRef idx="0">
+            <a:schemeClr val="accent1"/>
+          </a:effectRef>
+          <a:fontRef idx="minor">
+            <a:schemeClr val="lt1"/>
+          </a:fontRef>
+        </p:style>
+        <p:txBody>
+          <a:bodyPr rtlCol="0" anchor="ctr"/>
+          <a:p>
+            <a:pPr algn="ctr"/>
+            <a:r>
+              <a:rPr lang="en-US" altLang="zh-CN"/>
+              <a:t>Data Section</a:t>
+            </a:r>
+            <a:endParaRPr lang="en-US" altLang="zh-CN"/>
+          </a:p>
+          <a:p>
+            <a:pPr algn="ctr"/>
+            <a:endParaRPr lang="en-US" altLang="zh-CN"/>
+          </a:p>
+          <a:p>
+            <a:pPr algn="ctr"/>
+            <a:endParaRPr lang="en-US" altLang="zh-CN"/>
+          </a:p>
+          <a:p>
+            <a:pPr algn="ctr"/>
+            <a:endParaRPr lang="en-US" altLang="zh-CN"/>
+          </a:p>
+          <a:p>
+            <a:pPr algn="ctr"/>
+            <a:endParaRPr lang="en-US" altLang="zh-CN"/>
+          </a:p>
+          <a:p>
+            <a:pPr algn="ctr"/>
+            <a:endParaRPr lang="en-US" altLang="zh-CN"/>
+          </a:p>
+          <a:p>
+            <a:pPr algn="ctr"/>
+            <a:endParaRPr lang="en-US" altLang="zh-CN"/>
+          </a:p>
+          <a:p>
+            <a:pPr algn="ctr"/>
+            <a:endParaRPr lang="en-US" altLang="zh-CN"/>
+          </a:p>
+          <a:p>
+            <a:pPr algn="ctr"/>
+            <a:endParaRPr lang="en-US" altLang="zh-CN"/>
+          </a:p>
+          <a:p>
+            <a:pPr algn="ctr"/>
+            <a:endParaRPr lang="en-US" altLang="zh-CN"/>
+          </a:p>
+          <a:p>
+            <a:pPr algn="ctr"/>
+            <a:endParaRPr lang="en-US" altLang="zh-CN"/>
+          </a:p>
+          <a:p>
+            <a:pPr algn="ctr"/>
+            <a:endParaRPr lang="en-US" altLang="zh-CN"/>
+          </a:p>
+          <a:p>
+            <a:pPr algn="ctr"/>
+            <a:endParaRPr lang="en-US" altLang="zh-CN"/>
+          </a:p>
+          <a:p>
+            <a:pPr algn="ctr"/>
+            <a:endParaRPr lang="en-US" altLang="zh-CN"/>
+          </a:p>
+          <a:p>
+            <a:pPr algn="ctr"/>
+            <a:endParaRPr lang="en-US" altLang="zh-CN"/>
+          </a:p>
+          <a:p>
+            <a:pPr algn="ctr"/>
+            <a:endParaRPr lang="en-US" altLang="zh-CN"/>
+          </a:p>
+          <a:p>
+            <a:pPr algn="ctr"/>
+            <a:endParaRPr lang="en-US" altLang="zh-CN"/>
+          </a:p>
+          <a:p>
+            <a:pPr algn="ctr"/>
+            <a:endParaRPr lang="en-US" altLang="zh-CN"/>
+          </a:p>
+          <a:p>
+            <a:pPr algn="ctr"/>
+            <a:endParaRPr lang="en-US" altLang="zh-CN"/>
+          </a:p>
+        </p:txBody>
+      </p:sp>
+      <p:sp>
+        <p:nvSpPr>
+          <p:cNvPr id="26" name="矩形 25"/>
+          <p:cNvSpPr/>
+          <p:nvPr/>
+        </p:nvSpPr>
+        <p:spPr>
+          <a:xfrm>
+            <a:off x="7868920" y="891540"/>
+            <a:ext cx="3808095" cy="2193925"/>
+          </a:xfrm>
+          <a:prstGeom prst="rect">
+            <a:avLst/>
+          </a:prstGeom>
+          <a:gradFill>
+            <a:gsLst>
+              <a:gs pos="42000">
+                <a:srgbClr val="88CBCC"/>
+              </a:gs>
+              <a:gs pos="0">
+                <a:srgbClr val="ADDBDC"/>
+              </a:gs>
+              <a:gs pos="100000">
+                <a:srgbClr val="62BBBB"/>
+              </a:gs>
+            </a:gsLst>
+            <a:lin scaled="1"/>
+          </a:gradFill>
+        </p:spPr>
+        <p:style>
+          <a:lnRef idx="2">
+            <a:schemeClr val="accent6">
+              <a:shade val="50000"/>
+            </a:schemeClr>
+          </a:lnRef>
+          <a:fillRef idx="1">
+            <a:schemeClr val="accent6"/>
+          </a:fillRef>
+          <a:effectRef idx="0">
+            <a:schemeClr val="accent6"/>
+          </a:effectRef>
+          <a:fontRef idx="minor">
+            <a:schemeClr val="lt1"/>
+          </a:fontRef>
+        </p:style>
+        <p:txBody>
+          <a:bodyPr rtlCol="0" anchor="ctr"/>
+          <a:p>
+            <a:pPr algn="ctr"/>
+            <a:r>
+              <a:rPr lang="en-US" altLang="zh-CN"/>
+              <a:t>Free Slot (Ahead)</a:t>
+            </a:r>
+            <a:endParaRPr lang="en-US" altLang="zh-CN"/>
+          </a:p>
+          <a:p>
+            <a:pPr algn="ctr"/>
+            <a:endParaRPr lang="en-US" altLang="zh-CN"/>
+          </a:p>
+          <a:p>
+            <a:pPr algn="l"/>
+            <a:r>
+              <a:rPr lang="en-US" altLang="zh-CN"/>
+              <a:t>Head_Tag:                   0xEF0110EF</a:t>
+            </a:r>
+            <a:endParaRPr lang="en-US" altLang="zh-CN"/>
+          </a:p>
+          <a:p>
+            <a:pPr algn="l"/>
+            <a:r>
+              <a:rPr lang="en-US" altLang="zh-CN"/>
+              <a:t>Total Size:                    </a:t>
+            </a:r>
+            <a:endParaRPr lang="en-US" altLang="zh-CN"/>
+          </a:p>
+          <a:p>
+            <a:pPr algn="l"/>
+            <a:r>
+              <a:rPr lang="en-US" altLang="zh-CN"/>
+              <a:t>Current Slot Size:</a:t>
+            </a:r>
+            <a:endParaRPr lang="en-US" altLang="zh-CN"/>
+          </a:p>
+          <a:p>
+            <a:pPr algn="l"/>
+            <a:r>
+              <a:rPr lang="en-US" altLang="zh-CN"/>
+              <a:t>Next Free Slot Addr:</a:t>
+            </a:r>
+            <a:endParaRPr lang="en-US" altLang="zh-CN"/>
+          </a:p>
+          <a:p>
+            <a:pPr algn="l"/>
+            <a:r>
+              <a:rPr lang="en-US" altLang="zh-CN"/>
+              <a:t>End_Tag:                     0xFE1001FE</a:t>
+            </a:r>
+            <a:endParaRPr lang="en-US" altLang="zh-CN"/>
+          </a:p>
+          <a:p>
+            <a:pPr algn="ctr"/>
+            <a:endParaRPr lang="en-US" altLang="zh-CN"/>
+          </a:p>
+        </p:txBody>
+      </p:sp>
+      <p:sp>
+        <p:nvSpPr>
+          <p:cNvPr id="9" name="文本框 8"/>
+          <p:cNvSpPr txBox="1"/>
+          <p:nvPr/>
+        </p:nvSpPr>
+        <p:spPr>
+          <a:xfrm>
+            <a:off x="57150" y="125730"/>
+            <a:ext cx="7291705" cy="6462395"/>
+          </a:xfrm>
+          <a:prstGeom prst="rect">
+            <a:avLst/>
+          </a:prstGeom>
+          <a:noFill/>
+        </p:spPr>
+        <p:txBody>
+          <a:bodyPr wrap="none" rtlCol="0">
+            <a:spAutoFit/>
           </a:bodyPr>
           <a:p>
-            <a:r>
-              <a:rPr lang="en-US" altLang="zh-CN"/>
-              <a:t>create a storage item</a:t>
-            </a:r>
-            <a:endParaRPr lang="en-US" altLang="zh-CN"/>
-          </a:p>
-        </p:txBody>
-      </p:sp>
-      <p:sp>
-        <p:nvSpPr>
-          <p:cNvPr id="3" name="内容占位符 2"/>
-          <p:cNvSpPr>
-            <a:spLocks noGrp="1"/>
-          </p:cNvSpPr>
-          <p:nvPr>
-            <p:ph idx="1"/>
-          </p:nvPr>
-        </p:nvSpPr>
-        <p:spPr>
-          <a:xfrm>
-            <a:off x="647700" y="923290"/>
-            <a:ext cx="10515600" cy="4351338"/>
-          </a:xfrm>
-        </p:spPr>
-        <p:txBody>
-          <a:bodyPr/>
-          <a:p>
-            <a:r>
-              <a:rPr lang="en-US" altLang="zh-CN"/>
-              <a:t>step 1:</a:t>
+            <a:pPr algn="l"/>
+            <a:r>
+              <a:rPr lang="en-US" altLang="zh-CN"/>
+              <a:t>the definition of FreeSlot be like this</a:t>
+            </a:r>
+            <a:endParaRPr lang="en-US" altLang="zh-CN"/>
+          </a:p>
+          <a:p>
+            <a:pPr algn="l"/>
+            <a:r>
+              <a:rPr lang="en-US" altLang="zh-CN"/>
+              <a:t>typedef struct</a:t>
+            </a:r>
+            <a:endParaRPr lang="en-US" altLang="zh-CN"/>
+          </a:p>
+          <a:p>
+            <a:pPr algn="l"/>
+            <a:r>
+              <a:rPr lang="en-US" altLang="zh-CN"/>
+              <a:t>{</a:t>
+            </a:r>
+            <a:endParaRPr lang="en-US" altLang="zh-CN"/>
+          </a:p>
+          <a:p>
+            <a:pPr algn="l"/>
+            <a:r>
+              <a:rPr lang="en-US" altLang="zh-CN"/>
+              <a:t>    uint32_t head_tag;	/* free slot head tag always </a:t>
+            </a:r>
+            <a:r>
+              <a:rPr lang="en-US" altLang="zh-CN">
+                <a:sym typeface="+mn-ea"/>
+              </a:rPr>
+              <a:t>0xEF0110EF</a:t>
+            </a:r>
+            <a:r>
+              <a:rPr lang="en-US" altLang="zh-CN"/>
+              <a:t> */</a:t>
+            </a:r>
+            <a:endParaRPr lang="en-US" altLang="zh-CN"/>
+          </a:p>
+          <a:p>
+            <a:pPr algn="l"/>
+            <a:r>
+              <a:rPr lang="en-US" altLang="zh-CN"/>
+              <a:t>    uint32_t total_size;	/* indicate all free space that we can use */</a:t>
+            </a:r>
+            <a:endParaRPr lang="en-US" altLang="zh-CN"/>
+          </a:p>
+          <a:p>
+            <a:pPr algn="l"/>
+            <a:r>
+              <a:rPr lang="en-US" altLang="zh-CN"/>
+              <a:t>    uint32_t cur_slot_size;	/* indicate current slot space we can use */</a:t>
+            </a:r>
+            <a:endParaRPr lang="en-US" altLang="zh-CN"/>
+          </a:p>
+          <a:p>
+            <a:pPr algn="l"/>
+            <a:r>
+              <a:rPr lang="en-US" altLang="zh-CN"/>
+              <a:t>    uint32_t nxt_addr;	/* indicate next free slot start address */</a:t>
+            </a:r>
+            <a:endParaRPr lang="en-US" altLang="zh-CN"/>
+          </a:p>
+          <a:p>
+            <a:pPr algn="l"/>
+            <a:r>
+              <a:rPr lang="en-US" altLang="zh-CN"/>
+              <a:t>    uint32_t end_tag;	/* free slot end tag always </a:t>
+            </a:r>
+            <a:r>
+              <a:rPr lang="en-US" altLang="zh-CN">
+                <a:sym typeface="+mn-ea"/>
+              </a:rPr>
+              <a:t>0xFE1001FE</a:t>
+            </a:r>
+            <a:r>
+              <a:rPr lang="en-US" altLang="zh-CN"/>
+              <a:t> */</a:t>
+            </a:r>
+            <a:endParaRPr lang="en-US" altLang="zh-CN"/>
+          </a:p>
+          <a:p>
+            <a:pPr algn="l"/>
+            <a:r>
+              <a:rPr lang="en-US" altLang="zh-CN"/>
+              <a:t>} Storage_FreeSlot_TypeDef;</a:t>
+            </a:r>
+            <a:endParaRPr lang="en-US" altLang="zh-CN"/>
+          </a:p>
+          <a:p>
+            <a:pPr algn="l"/>
+            <a:endParaRPr lang="en-US" altLang="zh-CN"/>
+          </a:p>
+          <a:p>
+            <a:pPr algn="l"/>
+            <a:r>
+              <a:rPr lang="en-US" altLang="zh-CN"/>
+              <a:t>for example:</a:t>
+            </a:r>
+            <a:endParaRPr lang="en-US" altLang="zh-CN"/>
+          </a:p>
+          <a:p>
+            <a:pPr algn="l"/>
+            <a:r>
+              <a:rPr lang="en-US" altLang="zh-CN"/>
+              <a:t>define data section space is 1MByte</a:t>
+            </a:r>
+            <a:endParaRPr lang="en-US" altLang="zh-CN"/>
+          </a:p>
+          <a:p>
+            <a:pPr algn="l"/>
+            <a:r>
+              <a:rPr lang="en-US" altLang="zh-CN"/>
+              <a:t>after storage module formate first free slot info should be</a:t>
+            </a:r>
+            <a:endParaRPr lang="en-US" altLang="zh-CN"/>
+          </a:p>
+          <a:p>
+            <a:pPr algn="l"/>
+            <a:r>
+              <a:rPr lang="en-US" altLang="zh-CN"/>
+              <a:t>head_tag: 0xEF0110EF</a:t>
+            </a:r>
+            <a:endParaRPr lang="en-US" altLang="zh-CN"/>
+          </a:p>
+          <a:p>
+            <a:pPr algn="l"/>
+            <a:r>
+              <a:rPr lang="en-US" altLang="zh-CN"/>
+              <a:t>total_size: 1 * 1024 * 1024 Byte</a:t>
+            </a:r>
+            <a:endParaRPr lang="en-US" altLang="zh-CN"/>
+          </a:p>
+          <a:p>
+            <a:pPr algn="l"/>
+            <a:r>
+              <a:rPr lang="en-US" altLang="zh-CN"/>
+              <a:t>cur_slot_size: 1 * 1024 * 1024 Byte</a:t>
+            </a:r>
+            <a:endParaRPr lang="en-US" altLang="zh-CN"/>
+          </a:p>
+          <a:p>
+            <a:pPr algn="l"/>
+            <a:r>
+              <a:rPr lang="en-US" altLang="zh-CN"/>
+              <a:t>nxt_addr: 0</a:t>
+            </a:r>
+            <a:endParaRPr lang="en-US" altLang="zh-CN"/>
+          </a:p>
+          <a:p>
+            <a:pPr algn="l"/>
+            <a:r>
+              <a:rPr lang="en-US" altLang="zh-CN"/>
+              <a:t>end_tag: 0xFE1001FE</a:t>
+            </a:r>
+            <a:endParaRPr lang="en-US" altLang="zh-CN"/>
+          </a:p>
+          <a:p>
+            <a:pPr algn="l"/>
+            <a:endParaRPr lang="en-US" altLang="zh-CN"/>
+          </a:p>
+          <a:p>
+            <a:pPr algn="l"/>
+            <a:r>
+              <a:rPr lang="en-US" altLang="zh-CN"/>
+              <a:t>not any other slot info inside the data section and only 1 free</a:t>
+            </a:r>
+            <a:endParaRPr lang="en-US" altLang="zh-CN"/>
+          </a:p>
+          <a:p>
+            <a:pPr algn="l"/>
+            <a:r>
+              <a:rPr lang="en-US" altLang="zh-CN"/>
+              <a:t>slot we can find ahead of the data section </a:t>
+            </a:r>
+            <a:endParaRPr lang="en-US" altLang="zh-CN"/>
+          </a:p>
+          <a:p>
+            <a:pPr algn="l"/>
+            <a:r>
+              <a:rPr lang="en-US" altLang="zh-CN"/>
+              <a:t>also free slot address is </a:t>
+            </a:r>
+            <a:r>
+              <a:rPr lang="en-US" altLang="zh-CN">
+                <a:sym typeface="+mn-ea"/>
+              </a:rPr>
+              <a:t>data section start address</a:t>
             </a:r>
             <a:endParaRPr lang="en-US" altLang="zh-CN"/>
           </a:p>

--- a/doc/storage.pptx
+++ b/doc/storage.pptx
@@ -8,12 +8,13 @@
     <p:notesMasterId r:id="rId4"/>
   </p:notesMasterIdLst>
   <p:handoutMasterIdLst>
-    <p:handoutMasterId r:id="rId7"/>
+    <p:handoutMasterId r:id="rId8"/>
   </p:handoutMasterIdLst>
   <p:sldIdLst>
     <p:sldId id="256" r:id="rId3"/>
     <p:sldId id="258" r:id="rId5"/>
     <p:sldId id="257" r:id="rId6"/>
+    <p:sldId id="260" r:id="rId7"/>
   </p:sldIdLst>
   <p:sldSz cx="12192000" cy="6858000"/>
   <p:notesSz cx="7103745" cy="10234295"/>
@@ -6410,6 +6411,53 @@
             <a:endParaRPr lang="en-US" altLang="zh-CN"/>
           </a:p>
           <a:p>
+            <a:endParaRPr lang="en-US" altLang="zh-CN"/>
+          </a:p>
+        </p:txBody>
+      </p:sp>
+    </p:spTree>
+  </p:cSld>
+  <p:clrMapOvr>
+    <a:masterClrMapping/>
+  </p:clrMapOvr>
+</p:sld>
+</file>
+
+<file path=ppt/slides/slide4.xml><?xml version="1.0" encoding="utf-8"?>
+<p:sld xmlns:a="http://schemas.openxmlformats.org/drawingml/2006/main" xmlns:r="http://schemas.openxmlformats.org/officeDocument/2006/relationships" xmlns:p="http://schemas.openxmlformats.org/presentationml/2006/main">
+  <p:cSld>
+    <p:spTree>
+      <p:nvGrpSpPr>
+        <p:cNvPr id="1" name=""/>
+        <p:cNvGrpSpPr/>
+        <p:nvPr/>
+      </p:nvGrpSpPr>
+      <p:grpSpPr/>
+      <p:sp>
+        <p:nvSpPr>
+          <p:cNvPr id="4" name="文本框 3"/>
+          <p:cNvSpPr txBox="1"/>
+          <p:nvPr/>
+        </p:nvSpPr>
+        <p:spPr>
+          <a:xfrm>
+            <a:off x="350520" y="294640"/>
+            <a:ext cx="3128010" cy="368300"/>
+          </a:xfrm>
+          <a:prstGeom prst="rect">
+            <a:avLst/>
+          </a:prstGeom>
+          <a:noFill/>
+        </p:spPr>
+        <p:txBody>
+          <a:bodyPr wrap="none" rtlCol="0">
+            <a:spAutoFit/>
+          </a:bodyPr>
+          <a:p>
+            <a:r>
+              <a:rPr lang="en-US" altLang="zh-CN"/>
+              <a:t>Cricumstance 1: Create Only</a:t>
+            </a:r>
             <a:endParaRPr lang="en-US" altLang="zh-CN"/>
           </a:p>
         </p:txBody>
